--- a/Apache-Pig/Apache Pig Tutorial.pptx
+++ b/Apache-Pig/Apache Pig Tutorial.pptx
@@ -3554,7 +3554,7 @@
         <p:spPr>
           <a:xfrm>
             <a:off x="596378" y="1171106"/>
-            <a:ext cx="7886700" cy="2308324"/>
+            <a:ext cx="7886700" cy="2677656"/>
           </a:xfrm>
           <a:prstGeom prst="rect">
             <a:avLst/>
@@ -3569,7 +3569,19 @@
           <a:p>
             <a:r>
               <a:rPr lang="en-US" sz="2400" dirty="0" smtClean="0"/>
-              <a:t>Type each of the commands in the grunt shell:</a:t>
+              <a:t>Type each of the commands given in </a:t>
+            </a:r>
+            <a:r>
+              <a:rPr lang="en-US" sz="2400" dirty="0" err="1"/>
+              <a:t>G</a:t>
+            </a:r>
+            <a:r>
+              <a:rPr lang="en-US" sz="2400" dirty="0" err="1" smtClean="0"/>
+              <a:t>ithub</a:t>
+            </a:r>
+            <a:r>
+              <a:rPr lang="en-US" sz="2400" dirty="0" smtClean="0"/>
+              <a:t> pig script in the grunt shell</a:t>
             </a:r>
           </a:p>
           <a:p>
@@ -3578,97 +3590,54 @@
           <a:p>
             <a:r>
               <a:rPr lang="en-US" sz="2400" dirty="0"/>
-              <a:t>--Load the </a:t>
-            </a:r>
-            <a:r>
-              <a:rPr lang="en-US" sz="2400" dirty="0" smtClean="0"/>
-              <a:t>data</a:t>
-            </a:r>
-          </a:p>
-          <a:p>
-            <a:r>
-              <a:rPr lang="en-US" sz="2400" dirty="0" smtClean="0"/>
-              <a:t>data </a:t>
-            </a:r>
-            <a:r>
-              <a:rPr lang="en-US" sz="2400" dirty="0"/>
-              <a:t>= LOAD 'inrix/2016-06/06232016.txt' using </a:t>
-            </a:r>
-            <a:r>
-              <a:rPr lang="en-US" sz="2400" dirty="0" err="1"/>
-              <a:t>PigStorage</a:t>
-            </a:r>
-            <a:r>
-              <a:rPr lang="en-US" sz="2400" dirty="0"/>
-              <a:t>(',') As (</a:t>
-            </a:r>
-            <a:r>
-              <a:rPr lang="en-US" sz="2400" dirty="0" err="1"/>
-              <a:t>segment:chararray</a:t>
-            </a:r>
-            <a:r>
-              <a:rPr lang="en-US" sz="2400" dirty="0"/>
-              <a:t>, </a:t>
-            </a:r>
-            <a:r>
-              <a:rPr lang="en-US" sz="2400" dirty="0" err="1"/>
-              <a:t>speed:int</a:t>
-            </a:r>
-            <a:r>
-              <a:rPr lang="en-US" sz="2400" dirty="0"/>
-              <a:t>,  </a:t>
-            </a:r>
-            <a:r>
-              <a:rPr lang="en-US" sz="2400" dirty="0" err="1"/>
-              <a:t>time:datetime</a:t>
-            </a:r>
-            <a:r>
-              <a:rPr lang="en-US" sz="2400" dirty="0"/>
-              <a:t>, </a:t>
-            </a:r>
-            <a:r>
-              <a:rPr lang="en-US" sz="2400" dirty="0" err="1"/>
-              <a:t>conf:int</a:t>
-            </a:r>
-            <a:r>
-              <a:rPr lang="en-US" sz="2400" dirty="0"/>
-              <a:t>, </a:t>
-            </a:r>
-            <a:r>
-              <a:rPr lang="en-US" sz="2400" dirty="0" err="1"/>
-              <a:t>cvalue:int</a:t>
-            </a:r>
-            <a:r>
-              <a:rPr lang="en-US" sz="2400" dirty="0"/>
-              <a:t>, </a:t>
-            </a:r>
-            <a:r>
-              <a:rPr lang="en-US" sz="2400" dirty="0" err="1"/>
-              <a:t>avg_speed:int</a:t>
-            </a:r>
-            <a:r>
-              <a:rPr lang="en-US" sz="2400" dirty="0"/>
-              <a:t>, </a:t>
-            </a:r>
-            <a:r>
-              <a:rPr lang="en-US" sz="2400" dirty="0" err="1"/>
-              <a:t>ref_speed:int</a:t>
-            </a:r>
-            <a:r>
-              <a:rPr lang="en-US" sz="2400" dirty="0"/>
-              <a:t>, </a:t>
-            </a:r>
-            <a:r>
-              <a:rPr lang="en-US" sz="2400" dirty="0" err="1"/>
-              <a:t>traveltime:double</a:t>
-            </a:r>
-            <a:r>
-              <a:rPr lang="en-US" sz="2400" dirty="0"/>
-              <a:t>);</a:t>
-            </a:r>
-          </a:p>
-        </p:txBody>
-      </p:sp>
+              <a:t>Script location: </a:t>
+            </a:r>
+            <a:r>
+              <a:rPr lang="en-US" sz="2400" dirty="0">
+                <a:hlinkClick r:id="rId2"/>
+              </a:rPr>
+              <a:t>https://</a:t>
+            </a:r>
+            <a:r>
+              <a:rPr lang="en-US" sz="2400" dirty="0" smtClean="0">
+                <a:hlinkClick r:id="rId2"/>
+              </a:rPr>
+              <a:t>github.com/pranamesh/Python-workshop-TSA/blob/master/Apache-Pig/test_script.pig</a:t>
+            </a:r>
+            <a:endParaRPr lang="en-US" sz="2400" dirty="0" smtClean="0"/>
+          </a:p>
+          <a:p>
+            <a:endParaRPr lang="en-US" sz="2400" dirty="0" smtClean="0"/>
+          </a:p>
+          <a:p>
+            <a:endParaRPr lang="en-US" sz="2400" dirty="0"/>
+          </a:p>
+        </p:txBody>
+      </p:sp>
+      <p:pic>
+        <p:nvPicPr>
+          <p:cNvPr id="6" name="Picture 5"/>
+          <p:cNvPicPr>
+            <a:picLocks noChangeAspect="1"/>
+          </p:cNvPicPr>
+          <p:nvPr/>
+        </p:nvPicPr>
+        <p:blipFill>
+          <a:blip r:embed="rId3"/>
+          <a:stretch>
+            <a:fillRect/>
+          </a:stretch>
+        </p:blipFill>
+        <p:spPr>
+          <a:xfrm>
+            <a:off x="211984" y="3675329"/>
+            <a:ext cx="8655485" cy="2094738"/>
+          </a:xfrm>
+          <a:prstGeom prst="rect">
+            <a:avLst/>
+          </a:prstGeom>
+        </p:spPr>
+      </p:pic>
     </p:spTree>
     <p:extLst>
       <p:ext uri="{BB962C8B-B14F-4D97-AF65-F5344CB8AC3E}">
@@ -3751,8 +3720,8 @@
         </p:nvSpPr>
         <p:spPr>
           <a:xfrm>
-            <a:off x="246981" y="967435"/>
-            <a:ext cx="8236096" cy="2739211"/>
+            <a:off x="596377" y="1393319"/>
+            <a:ext cx="8236096" cy="2462213"/>
           </a:xfrm>
           <a:prstGeom prst="rect">
             <a:avLst/>
@@ -3766,97 +3735,65 @@
           <a:lstStyle/>
           <a:p>
             <a:r>
-              <a:rPr lang="en-US" sz="3200" dirty="0" smtClean="0">
+              <a:rPr lang="en-US" sz="2800" dirty="0" smtClean="0">
+                <a:latin typeface="Arial" panose="020B0604020202020204" pitchFamily="34" charset="0"/>
+                <a:cs typeface="Arial" panose="020B0604020202020204" pitchFamily="34" charset="0"/>
+              </a:rPr>
+              <a:t>Run the script:</a:t>
+            </a:r>
+          </a:p>
+          <a:p>
+            <a:endParaRPr lang="en-US" dirty="0"/>
+          </a:p>
+          <a:p>
+            <a:r>
+              <a:rPr lang="en-US" sz="2400" i="1" dirty="0" smtClean="0"/>
+              <a:t>pig </a:t>
+            </a:r>
+            <a:r>
+              <a:rPr lang="en-US" sz="2400" i="1" dirty="0" smtClean="0"/>
+              <a:t>&lt;</a:t>
+            </a:r>
+            <a:r>
+              <a:rPr lang="en-US" sz="2400" i="1" dirty="0" smtClean="0"/>
+              <a:t>script location in Local machine</a:t>
+            </a:r>
+            <a:r>
+              <a:rPr lang="en-US" sz="2400" i="1" dirty="0" smtClean="0"/>
+              <a:t>&gt;</a:t>
+            </a:r>
+          </a:p>
+          <a:p>
+            <a:endParaRPr lang="en-US" sz="2400" i="1" dirty="0" smtClean="0"/>
+          </a:p>
+          <a:p>
+            <a:r>
+              <a:rPr lang="en-US" sz="2400" i="1" dirty="0" smtClean="0">
                 <a:solidFill>
                   <a:srgbClr val="FF0000"/>
                 </a:solidFill>
-                <a:latin typeface="Arial" panose="020B0604020202020204" pitchFamily="34" charset="0"/>
-                <a:cs typeface="Arial" panose="020B0604020202020204" pitchFamily="34" charset="0"/>
-              </a:rPr>
-              <a:t>Run the script:</a:t>
-            </a:r>
-          </a:p>
-          <a:p>
-            <a:endParaRPr lang="en-US" dirty="0"/>
-          </a:p>
-          <a:p>
-            <a:r>
-              <a:rPr lang="en-US" dirty="0" smtClean="0"/>
-              <a:t>pig –x </a:t>
-            </a:r>
-            <a:r>
-              <a:rPr lang="en-US" dirty="0" err="1" smtClean="0"/>
-              <a:t>tez</a:t>
-            </a:r>
-            <a:r>
-              <a:rPr lang="en-US" dirty="0" smtClean="0"/>
-              <a:t> &lt;script location in Local machine&gt;</a:t>
-            </a:r>
-          </a:p>
-          <a:p>
-            <a:endParaRPr lang="en-US" dirty="0"/>
-          </a:p>
-          <a:p>
-            <a:endParaRPr lang="en-US" dirty="0" smtClean="0"/>
-          </a:p>
-          <a:p>
-            <a:r>
-              <a:rPr lang="en-US" sz="3200" dirty="0">
+              </a:rPr>
+              <a:t>pig Pranamesh/test-</a:t>
+            </a:r>
+            <a:r>
+              <a:rPr lang="en-US" sz="2400" i="1" dirty="0" err="1" smtClean="0">
                 <a:solidFill>
                   <a:srgbClr val="FF0000"/>
                 </a:solidFill>
-                <a:latin typeface="Arial" panose="020B0604020202020204" pitchFamily="34" charset="0"/>
-                <a:cs typeface="Arial" panose="020B0604020202020204" pitchFamily="34" charset="0"/>
-              </a:rPr>
-              <a:t>Store the output in local </a:t>
-            </a:r>
-            <a:r>
-              <a:rPr lang="en-US" sz="3200" dirty="0" smtClean="0">
-                <a:solidFill>
-                  <a:srgbClr val="FF0000"/>
-                </a:solidFill>
-                <a:latin typeface="Arial" panose="020B0604020202020204" pitchFamily="34" charset="0"/>
-                <a:cs typeface="Arial" panose="020B0604020202020204" pitchFamily="34" charset="0"/>
-              </a:rPr>
-              <a:t>machine</a:t>
-            </a:r>
+              </a:rPr>
+              <a:t>script.pig</a:t>
+            </a:r>
+            <a:endParaRPr lang="en-US" sz="2400" i="1" dirty="0" smtClean="0">
+              <a:solidFill>
+                <a:srgbClr val="FF0000"/>
+              </a:solidFill>
+            </a:endParaRPr>
+          </a:p>
+          <a:p>
+            <a:endParaRPr lang="en-US" dirty="0"/>
           </a:p>
           <a:p>
             <a:endParaRPr lang="en-US" dirty="0" smtClean="0"/>
-          </a:p>
-          <a:p>
-            <a:r>
-              <a:rPr lang="en-US" dirty="0" err="1" smtClean="0"/>
-              <a:t>hdfs</a:t>
-            </a:r>
-            <a:r>
-              <a:rPr lang="en-US" dirty="0" smtClean="0"/>
-              <a:t> </a:t>
-            </a:r>
-            <a:r>
-              <a:rPr lang="en-US" dirty="0" err="1"/>
-              <a:t>dfs</a:t>
-            </a:r>
-            <a:r>
-              <a:rPr lang="en-US" dirty="0"/>
-              <a:t> –</a:t>
-            </a:r>
-            <a:r>
-              <a:rPr lang="en-US" dirty="0" err="1"/>
-              <a:t>getmerge</a:t>
-            </a:r>
-            <a:r>
-              <a:rPr lang="en-US" dirty="0"/>
-              <a:t> &lt;</a:t>
-            </a:r>
-            <a:r>
-              <a:rPr lang="en-US" dirty="0" err="1"/>
-              <a:t>hdfs</a:t>
-            </a:r>
-            <a:r>
-              <a:rPr lang="en-US" dirty="0"/>
-              <a:t> location&gt; &lt;local machine location&gt;</a:t>
-            </a:r>
           </a:p>
         </p:txBody>
       </p:sp>
